--- a/20160615 满鸿 设计模式之行为模式：职责链.pptx
+++ b/20160615 满鸿 设计模式之行为模式：职责链.pptx
@@ -17,8 +17,8 @@
     <p:sldId id="262" r:id="rId8"/>
     <p:sldId id="263" r:id="rId9"/>
     <p:sldId id="266" r:id="rId10"/>
-    <p:sldId id="267" r:id="rId11"/>
-    <p:sldId id="264" r:id="rId12"/>
+    <p:sldId id="264" r:id="rId11"/>
+    <p:sldId id="267" r:id="rId12"/>
     <p:sldId id="265" r:id="rId13"/>
     <p:sldId id="270" r:id="rId14"/>
     <p:sldId id="268" r:id="rId15"/>
@@ -3401,7 +3401,7 @@
           <a:p>
             <a:fld id="{1834B6A7-CD34-48FC-8FFD-ECC6B265F59B}" type="datetimeFigureOut">
               <a:rPr lang="zh-CN" altLang="en-US" smtClean="0"/>
-              <a:t>2016/6/13</a:t>
+              <a:t>2016/6/15</a:t>
             </a:fld>
             <a:endParaRPr lang="zh-CN" altLang="en-US"/>
           </a:p>
@@ -3948,7 +3948,7 @@
           <a:p>
             <a:fld id="{72451102-ADD2-4BEC-A313-DA26D03E93B0}" type="datetimeFigureOut">
               <a:rPr lang="zh-CN" altLang="en-US" smtClean="0"/>
-              <a:t>2016/6/13</a:t>
+              <a:t>2016/6/15</a:t>
             </a:fld>
             <a:endParaRPr lang="zh-CN" altLang="en-US"/>
           </a:p>
@@ -4174,7 +4174,7 @@
           <a:p>
             <a:fld id="{72451102-ADD2-4BEC-A313-DA26D03E93B0}" type="datetimeFigureOut">
               <a:rPr lang="zh-CN" altLang="en-US" smtClean="0"/>
-              <a:t>2016/6/13</a:t>
+              <a:t>2016/6/15</a:t>
             </a:fld>
             <a:endParaRPr lang="zh-CN" altLang="en-US"/>
           </a:p>
@@ -4349,7 +4349,7 @@
           <a:p>
             <a:fld id="{72451102-ADD2-4BEC-A313-DA26D03E93B0}" type="datetimeFigureOut">
               <a:rPr lang="zh-CN" altLang="en-US" smtClean="0"/>
-              <a:t>2016/6/13</a:t>
+              <a:t>2016/6/15</a:t>
             </a:fld>
             <a:endParaRPr lang="zh-CN" altLang="en-US"/>
           </a:p>
@@ -4514,7 +4514,7 @@
           <a:p>
             <a:fld id="{72451102-ADD2-4BEC-A313-DA26D03E93B0}" type="datetimeFigureOut">
               <a:rPr lang="zh-CN" altLang="en-US" smtClean="0"/>
-              <a:t>2016/6/13</a:t>
+              <a:t>2016/6/15</a:t>
             </a:fld>
             <a:endParaRPr lang="zh-CN" altLang="en-US"/>
           </a:p>
@@ -4758,7 +4758,7 @@
           <a:p>
             <a:fld id="{72451102-ADD2-4BEC-A313-DA26D03E93B0}" type="datetimeFigureOut">
               <a:rPr lang="zh-CN" altLang="en-US" smtClean="0"/>
-              <a:t>2016/6/13</a:t>
+              <a:t>2016/6/15</a:t>
             </a:fld>
             <a:endParaRPr lang="zh-CN" altLang="en-US"/>
           </a:p>
@@ -5022,7 +5022,7 @@
           <a:p>
             <a:fld id="{72451102-ADD2-4BEC-A313-DA26D03E93B0}" type="datetimeFigureOut">
               <a:rPr lang="zh-CN" altLang="en-US" smtClean="0"/>
-              <a:t>2016/6/13</a:t>
+              <a:t>2016/6/15</a:t>
             </a:fld>
             <a:endParaRPr lang="zh-CN" altLang="en-US"/>
           </a:p>
@@ -5396,7 +5396,7 @@
           <a:p>
             <a:fld id="{72451102-ADD2-4BEC-A313-DA26D03E93B0}" type="datetimeFigureOut">
               <a:rPr lang="zh-CN" altLang="en-US" smtClean="0"/>
-              <a:t>2016/6/13</a:t>
+              <a:t>2016/6/15</a:t>
             </a:fld>
             <a:endParaRPr lang="zh-CN" altLang="en-US"/>
           </a:p>
@@ -5509,7 +5509,7 @@
           <a:p>
             <a:fld id="{72451102-ADD2-4BEC-A313-DA26D03E93B0}" type="datetimeFigureOut">
               <a:rPr lang="zh-CN" altLang="en-US" smtClean="0"/>
-              <a:t>2016/6/13</a:t>
+              <a:t>2016/6/15</a:t>
             </a:fld>
             <a:endParaRPr lang="zh-CN" altLang="en-US"/>
           </a:p>
@@ -5599,7 +5599,7 @@
           <a:p>
             <a:fld id="{72451102-ADD2-4BEC-A313-DA26D03E93B0}" type="datetimeFigureOut">
               <a:rPr lang="zh-CN" altLang="en-US" smtClean="0"/>
-              <a:t>2016/6/13</a:t>
+              <a:t>2016/6/15</a:t>
             </a:fld>
             <a:endParaRPr lang="zh-CN" altLang="en-US"/>
           </a:p>
@@ -5857,7 +5857,7 @@
           <a:p>
             <a:fld id="{72451102-ADD2-4BEC-A313-DA26D03E93B0}" type="datetimeFigureOut">
               <a:rPr lang="zh-CN" altLang="en-US" smtClean="0"/>
-              <a:t>2016/6/13</a:t>
+              <a:t>2016/6/15</a:t>
             </a:fld>
             <a:endParaRPr lang="zh-CN" altLang="en-US"/>
           </a:p>
@@ -6121,7 +6121,7 @@
           <a:p>
             <a:fld id="{72451102-ADD2-4BEC-A313-DA26D03E93B0}" type="datetimeFigureOut">
               <a:rPr lang="zh-CN" altLang="en-US" smtClean="0"/>
-              <a:t>2016/6/13</a:t>
+              <a:t>2016/6/15</a:t>
             </a:fld>
             <a:endParaRPr lang="zh-CN" altLang="en-US"/>
           </a:p>
@@ -6338,7 +6338,7 @@
           <a:p>
             <a:fld id="{72451102-ADD2-4BEC-A313-DA26D03E93B0}" type="datetimeFigureOut">
               <a:rPr lang="zh-CN" altLang="en-US" smtClean="0"/>
-              <a:t>2016/6/13</a:t>
+              <a:t>2016/6/15</a:t>
             </a:fld>
             <a:endParaRPr lang="zh-CN" altLang="en-US"/>
           </a:p>
@@ -6890,6 +6890,95 @@
           <a:lstStyle/>
           <a:p>
             <a:r>
+              <a:rPr lang="en-US" altLang="zh-CN" dirty="0" smtClean="0"/>
+              <a:t>UML</a:t>
+            </a:r>
+            <a:endParaRPr lang="zh-CN" altLang="en-US" dirty="0"/>
+          </a:p>
+        </p:txBody>
+      </p:sp>
+      <p:pic>
+        <p:nvPicPr>
+          <p:cNvPr id="4" name="内容占位符 3"/>
+          <p:cNvPicPr>
+            <a:picLocks noGrp="1" noChangeAspect="1"/>
+          </p:cNvPicPr>
+          <p:nvPr>
+            <p:ph idx="1"/>
+          </p:nvPr>
+        </p:nvPicPr>
+        <p:blipFill>
+          <a:blip r:embed="rId2">
+            <a:extLst>
+              <a:ext uri="{28A0092B-C50C-407E-A947-70E740481C1C}">
+                <a14:useLocalDpi xmlns:a14="http://schemas.microsoft.com/office/drawing/2010/main" val="0"/>
+              </a:ext>
+            </a:extLst>
+          </a:blip>
+          <a:stretch>
+            <a:fillRect/>
+          </a:stretch>
+        </p:blipFill>
+        <p:spPr>
+          <a:xfrm>
+            <a:off x="1691680" y="1340768"/>
+            <a:ext cx="5688632" cy="5438974"/>
+          </a:xfrm>
+        </p:spPr>
+      </p:pic>
+    </p:spTree>
+    <p:extLst>
+      <p:ext uri="{BB962C8B-B14F-4D97-AF65-F5344CB8AC3E}">
+        <p14:creationId xmlns:p14="http://schemas.microsoft.com/office/powerpoint/2010/main" val="2261855496"/>
+      </p:ext>
+    </p:extLst>
+  </p:cSld>
+  <p:clrMapOvr>
+    <a:masterClrMapping/>
+  </p:clrMapOvr>
+  <p:timing>
+    <p:tnLst>
+      <p:par>
+        <p:cTn id="1" dur="indefinite" restart="never" nodeType="tmRoot"/>
+      </p:par>
+    </p:tnLst>
+  </p:timing>
+</p:sld>
+</file>
+
+<file path=ppt/slides/slide11.xml><?xml version="1.0" encoding="utf-8"?>
+<p:sld xmlns:a="http://schemas.openxmlformats.org/drawingml/2006/main" xmlns:r="http://schemas.openxmlformats.org/officeDocument/2006/relationships" xmlns:p="http://schemas.openxmlformats.org/presentationml/2006/main">
+  <p:cSld>
+    <p:spTree>
+      <p:nvGrpSpPr>
+        <p:cNvPr id="1" name=""/>
+        <p:cNvGrpSpPr/>
+        <p:nvPr/>
+      </p:nvGrpSpPr>
+      <p:grpSpPr>
+        <a:xfrm>
+          <a:off x="0" y="0"/>
+          <a:ext cx="0" cy="0"/>
+          <a:chOff x="0" y="0"/>
+          <a:chExt cx="0" cy="0"/>
+        </a:xfrm>
+      </p:grpSpPr>
+      <p:sp>
+        <p:nvSpPr>
+          <p:cNvPr id="2" name="标题 1"/>
+          <p:cNvSpPr>
+            <a:spLocks noGrp="1"/>
+          </p:cNvSpPr>
+          <p:nvPr>
+            <p:ph type="title"/>
+          </p:nvPr>
+        </p:nvSpPr>
+        <p:spPr/>
+        <p:txBody>
+          <a:bodyPr/>
+          <a:lstStyle/>
+          <a:p>
+            <a:r>
               <a:rPr lang="zh-CN" altLang="en-US" dirty="0" smtClean="0"/>
               <a:t>时序图</a:t>
             </a:r>
@@ -7141,95 +7230,6 @@
             </p:seq>
           </p:childTnLst>
         </p:cTn>
-      </p:par>
-    </p:tnLst>
-  </p:timing>
-</p:sld>
-</file>
-
-<file path=ppt/slides/slide11.xml><?xml version="1.0" encoding="utf-8"?>
-<p:sld xmlns:a="http://schemas.openxmlformats.org/drawingml/2006/main" xmlns:r="http://schemas.openxmlformats.org/officeDocument/2006/relationships" xmlns:p="http://schemas.openxmlformats.org/presentationml/2006/main">
-  <p:cSld>
-    <p:spTree>
-      <p:nvGrpSpPr>
-        <p:cNvPr id="1" name=""/>
-        <p:cNvGrpSpPr/>
-        <p:nvPr/>
-      </p:nvGrpSpPr>
-      <p:grpSpPr>
-        <a:xfrm>
-          <a:off x="0" y="0"/>
-          <a:ext cx="0" cy="0"/>
-          <a:chOff x="0" y="0"/>
-          <a:chExt cx="0" cy="0"/>
-        </a:xfrm>
-      </p:grpSpPr>
-      <p:sp>
-        <p:nvSpPr>
-          <p:cNvPr id="2" name="标题 1"/>
-          <p:cNvSpPr>
-            <a:spLocks noGrp="1"/>
-          </p:cNvSpPr>
-          <p:nvPr>
-            <p:ph type="title"/>
-          </p:nvPr>
-        </p:nvSpPr>
-        <p:spPr/>
-        <p:txBody>
-          <a:bodyPr/>
-          <a:lstStyle/>
-          <a:p>
-            <a:r>
-              <a:rPr lang="en-US" altLang="zh-CN" dirty="0" smtClean="0"/>
-              <a:t>UML</a:t>
-            </a:r>
-            <a:endParaRPr lang="zh-CN" altLang="en-US" dirty="0"/>
-          </a:p>
-        </p:txBody>
-      </p:sp>
-      <p:pic>
-        <p:nvPicPr>
-          <p:cNvPr id="4" name="内容占位符 3"/>
-          <p:cNvPicPr>
-            <a:picLocks noGrp="1" noChangeAspect="1"/>
-          </p:cNvPicPr>
-          <p:nvPr>
-            <p:ph idx="1"/>
-          </p:nvPr>
-        </p:nvPicPr>
-        <p:blipFill>
-          <a:blip r:embed="rId2">
-            <a:extLst>
-              <a:ext uri="{28A0092B-C50C-407E-A947-70E740481C1C}">
-                <a14:useLocalDpi xmlns:a14="http://schemas.microsoft.com/office/drawing/2010/main" val="0"/>
-              </a:ext>
-            </a:extLst>
-          </a:blip>
-          <a:stretch>
-            <a:fillRect/>
-          </a:stretch>
-        </p:blipFill>
-        <p:spPr>
-          <a:xfrm>
-            <a:off x="1691680" y="1340768"/>
-            <a:ext cx="5688632" cy="5438974"/>
-          </a:xfrm>
-        </p:spPr>
-      </p:pic>
-    </p:spTree>
-    <p:extLst>
-      <p:ext uri="{BB962C8B-B14F-4D97-AF65-F5344CB8AC3E}">
-        <p14:creationId xmlns:p14="http://schemas.microsoft.com/office/powerpoint/2010/main" val="2261855496"/>
-      </p:ext>
-    </p:extLst>
-  </p:cSld>
-  <p:clrMapOvr>
-    <a:masterClrMapping/>
-  </p:clrMapOvr>
-  <p:timing>
-    <p:tnLst>
-      <p:par>
-        <p:cTn id="1" dur="indefinite" restart="never" nodeType="tmRoot"/>
       </p:par>
     </p:tnLst>
   </p:timing>
@@ -7708,6 +7708,384 @@
           </a:p>
         </p:txBody>
       </p:sp>
+      <p:graphicFrame>
+        <p:nvGraphicFramePr>
+          <p:cNvPr id="5" name="表格 4"/>
+          <p:cNvGraphicFramePr>
+            <a:graphicFrameLocks noGrp="1"/>
+          </p:cNvGraphicFramePr>
+          <p:nvPr>
+            <p:extLst>
+              <p:ext uri="{D42A27DB-BD31-4B8C-83A1-F6EECF244321}">
+                <p14:modId xmlns:p14="http://schemas.microsoft.com/office/powerpoint/2010/main" val="1683127352"/>
+              </p:ext>
+            </p:extLst>
+          </p:nvPr>
+        </p:nvGraphicFramePr>
+        <p:xfrm>
+          <a:off x="1115616" y="4293096"/>
+          <a:ext cx="6912768" cy="1112520"/>
+        </p:xfrm>
+        <a:graphic>
+          <a:graphicData uri="http://schemas.openxmlformats.org/drawingml/2006/table">
+            <a:tbl>
+              <a:tblPr firstRow="1" bandRow="1">
+                <a:tableStyleId>{5C22544A-7EE6-4342-B048-85BDC9FD1C3A}</a:tableStyleId>
+              </a:tblPr>
+              <a:tblGrid>
+                <a:gridCol w="1152128"/>
+                <a:gridCol w="1152128"/>
+                <a:gridCol w="1152128"/>
+                <a:gridCol w="1152128"/>
+                <a:gridCol w="1152128"/>
+                <a:gridCol w="1152128"/>
+              </a:tblGrid>
+              <a:tr h="370840">
+                <a:tc>
+                  <a:txBody>
+                    <a:bodyPr/>
+                    <a:lstStyle/>
+                    <a:p>
+                      <a:r>
+                        <a:rPr lang="zh-CN" altLang="en-US" dirty="0" smtClean="0"/>
+                        <a:t>实现方式</a:t>
+                      </a:r>
+                      <a:endParaRPr lang="zh-CN" altLang="en-US" dirty="0"/>
+                    </a:p>
+                  </a:txBody>
+                  <a:tcPr/>
+                </a:tc>
+                <a:tc>
+                  <a:txBody>
+                    <a:bodyPr/>
+                    <a:lstStyle/>
+                    <a:p>
+                      <a:r>
+                        <a:rPr lang="zh-CN" altLang="en-US" dirty="0" smtClean="0"/>
+                        <a:t>实现难度</a:t>
+                      </a:r>
+                      <a:endParaRPr lang="zh-CN" altLang="en-US" dirty="0"/>
+                    </a:p>
+                  </a:txBody>
+                  <a:tcPr/>
+                </a:tc>
+                <a:tc>
+                  <a:txBody>
+                    <a:bodyPr/>
+                    <a:lstStyle/>
+                    <a:p>
+                      <a:r>
+                        <a:rPr lang="zh-CN" altLang="en-US" dirty="0" smtClean="0"/>
+                        <a:t>代码清晰</a:t>
+                      </a:r>
+                      <a:endParaRPr lang="zh-CN" altLang="en-US" dirty="0"/>
+                    </a:p>
+                  </a:txBody>
+                  <a:tcPr/>
+                </a:tc>
+                <a:tc>
+                  <a:txBody>
+                    <a:bodyPr/>
+                    <a:lstStyle/>
+                    <a:p>
+                      <a:r>
+                        <a:rPr lang="zh-CN" altLang="en-US" dirty="0" smtClean="0"/>
+                        <a:t>减少冗余</a:t>
+                      </a:r>
+                      <a:endParaRPr lang="zh-CN" altLang="en-US" dirty="0"/>
+                    </a:p>
+                  </a:txBody>
+                  <a:tcPr/>
+                </a:tc>
+                <a:tc>
+                  <a:txBody>
+                    <a:bodyPr/>
+                    <a:lstStyle/>
+                    <a:p>
+                      <a:r>
+                        <a:rPr lang="zh-CN" altLang="en-US" dirty="0" smtClean="0"/>
+                        <a:t>便于维护</a:t>
+                      </a:r>
+                      <a:endParaRPr lang="zh-CN" altLang="en-US" dirty="0"/>
+                    </a:p>
+                  </a:txBody>
+                  <a:tcPr/>
+                </a:tc>
+                <a:tc>
+                  <a:txBody>
+                    <a:bodyPr/>
+                    <a:lstStyle/>
+                    <a:p>
+                      <a:r>
+                        <a:rPr lang="zh-CN" altLang="en-US" dirty="0" smtClean="0"/>
+                        <a:t>面向对象</a:t>
+                      </a:r>
+                      <a:endParaRPr lang="zh-CN" altLang="en-US" dirty="0"/>
+                    </a:p>
+                  </a:txBody>
+                  <a:tcPr/>
+                </a:tc>
+              </a:tr>
+              <a:tr h="370840">
+                <a:tc>
+                  <a:txBody>
+                    <a:bodyPr/>
+                    <a:lstStyle/>
+                    <a:p>
+                      <a:r>
+                        <a:rPr lang="zh-CN" altLang="en-US" dirty="0" smtClean="0"/>
+                        <a:t>面向过程</a:t>
+                      </a:r>
+                      <a:endParaRPr lang="zh-CN" altLang="en-US" dirty="0"/>
+                    </a:p>
+                  </a:txBody>
+                  <a:tcPr/>
+                </a:tc>
+                <a:tc>
+                  <a:txBody>
+                    <a:bodyPr/>
+                    <a:lstStyle/>
+                    <a:p>
+                      <a:r>
+                        <a:rPr lang="zh-CN" altLang="en-US" dirty="0" smtClean="0">
+                          <a:solidFill>
+                            <a:schemeClr val="accent1">
+                              <a:lumMod val="75000"/>
+                            </a:schemeClr>
+                          </a:solidFill>
+                        </a:rPr>
+                        <a:t>中</a:t>
+                      </a:r>
+                      <a:endParaRPr lang="zh-CN" altLang="en-US" dirty="0">
+                        <a:solidFill>
+                          <a:schemeClr val="accent1">
+                            <a:lumMod val="75000"/>
+                          </a:schemeClr>
+                        </a:solidFill>
+                      </a:endParaRPr>
+                    </a:p>
+                  </a:txBody>
+                  <a:tcPr/>
+                </a:tc>
+                <a:tc>
+                  <a:txBody>
+                    <a:bodyPr/>
+                    <a:lstStyle/>
+                    <a:p>
+                      <a:r>
+                        <a:rPr lang="zh-CN" altLang="en-US" dirty="0" smtClean="0">
+                          <a:solidFill>
+                            <a:srgbClr val="FF0000"/>
+                          </a:solidFill>
+                        </a:rPr>
+                        <a:t>否</a:t>
+                      </a:r>
+                      <a:endParaRPr lang="zh-CN" altLang="en-US" dirty="0">
+                        <a:solidFill>
+                          <a:srgbClr val="FF0000"/>
+                        </a:solidFill>
+                      </a:endParaRPr>
+                    </a:p>
+                  </a:txBody>
+                  <a:tcPr/>
+                </a:tc>
+                <a:tc>
+                  <a:txBody>
+                    <a:bodyPr/>
+                    <a:lstStyle/>
+                    <a:p>
+                      <a:r>
+                        <a:rPr lang="zh-CN" altLang="en-US" dirty="0" smtClean="0">
+                          <a:solidFill>
+                            <a:srgbClr val="FF0000"/>
+                          </a:solidFill>
+                        </a:rPr>
+                        <a:t>否</a:t>
+                      </a:r>
+                      <a:endParaRPr lang="zh-CN" altLang="en-US" dirty="0">
+                        <a:solidFill>
+                          <a:srgbClr val="FF0000"/>
+                        </a:solidFill>
+                      </a:endParaRPr>
+                    </a:p>
+                  </a:txBody>
+                  <a:tcPr/>
+                </a:tc>
+                <a:tc>
+                  <a:txBody>
+                    <a:bodyPr/>
+                    <a:lstStyle/>
+                    <a:p>
+                      <a:r>
+                        <a:rPr lang="zh-CN" altLang="en-US" dirty="0" smtClean="0">
+                          <a:solidFill>
+                            <a:srgbClr val="FF0000"/>
+                          </a:solidFill>
+                        </a:rPr>
+                        <a:t>否</a:t>
+                      </a:r>
+                      <a:endParaRPr lang="zh-CN" altLang="en-US" dirty="0">
+                        <a:solidFill>
+                          <a:srgbClr val="FF0000"/>
+                        </a:solidFill>
+                      </a:endParaRPr>
+                    </a:p>
+                  </a:txBody>
+                  <a:tcPr/>
+                </a:tc>
+                <a:tc>
+                  <a:txBody>
+                    <a:bodyPr/>
+                    <a:lstStyle/>
+                    <a:p>
+                      <a:r>
+                        <a:rPr lang="zh-CN" altLang="en-US" dirty="0" smtClean="0">
+                          <a:solidFill>
+                            <a:srgbClr val="FF0000"/>
+                          </a:solidFill>
+                        </a:rPr>
+                        <a:t>否</a:t>
+                      </a:r>
+                      <a:endParaRPr lang="zh-CN" altLang="en-US" dirty="0">
+                        <a:solidFill>
+                          <a:srgbClr val="FF0000"/>
+                        </a:solidFill>
+                      </a:endParaRPr>
+                    </a:p>
+                  </a:txBody>
+                  <a:tcPr/>
+                </a:tc>
+              </a:tr>
+              <a:tr h="370840">
+                <a:tc>
+                  <a:txBody>
+                    <a:bodyPr/>
+                    <a:lstStyle/>
+                    <a:p>
+                      <a:r>
+                        <a:rPr lang="zh-CN" altLang="en-US" dirty="0" smtClean="0"/>
+                        <a:t>职责链</a:t>
+                      </a:r>
+                      <a:endParaRPr lang="zh-CN" altLang="en-US" dirty="0"/>
+                    </a:p>
+                  </a:txBody>
+                  <a:tcPr/>
+                </a:tc>
+                <a:tc>
+                  <a:txBody>
+                    <a:bodyPr/>
+                    <a:lstStyle/>
+                    <a:p>
+                      <a:r>
+                        <a:rPr lang="zh-CN" altLang="en-US" dirty="0" smtClean="0">
+                          <a:solidFill>
+                            <a:srgbClr val="C00000"/>
+                          </a:solidFill>
+                        </a:rPr>
+                        <a:t>略高</a:t>
+                      </a:r>
+                      <a:endParaRPr lang="zh-CN" altLang="en-US" dirty="0">
+                        <a:solidFill>
+                          <a:srgbClr val="C00000"/>
+                        </a:solidFill>
+                      </a:endParaRPr>
+                    </a:p>
+                  </a:txBody>
+                  <a:tcPr/>
+                </a:tc>
+                <a:tc>
+                  <a:txBody>
+                    <a:bodyPr/>
+                    <a:lstStyle/>
+                    <a:p>
+                      <a:r>
+                        <a:rPr lang="zh-CN" altLang="en-US" dirty="0" smtClean="0">
+                          <a:solidFill>
+                            <a:srgbClr val="00B050"/>
+                          </a:solidFill>
+                        </a:rPr>
+                        <a:t>是</a:t>
+                      </a:r>
+                      <a:endParaRPr lang="zh-CN" altLang="en-US" dirty="0">
+                        <a:solidFill>
+                          <a:srgbClr val="00B050"/>
+                        </a:solidFill>
+                      </a:endParaRPr>
+                    </a:p>
+                  </a:txBody>
+                  <a:tcPr/>
+                </a:tc>
+                <a:tc>
+                  <a:txBody>
+                    <a:bodyPr/>
+                    <a:lstStyle/>
+                    <a:p>
+                      <a:r>
+                        <a:rPr lang="zh-CN" altLang="en-US" dirty="0" smtClean="0">
+                          <a:solidFill>
+                            <a:srgbClr val="00B050"/>
+                          </a:solidFill>
+                        </a:rPr>
+                        <a:t>是</a:t>
+                      </a:r>
+                      <a:endParaRPr lang="zh-CN" altLang="en-US" dirty="0">
+                        <a:solidFill>
+                          <a:srgbClr val="00B050"/>
+                        </a:solidFill>
+                      </a:endParaRPr>
+                    </a:p>
+                  </a:txBody>
+                  <a:tcPr/>
+                </a:tc>
+                <a:tc>
+                  <a:txBody>
+                    <a:bodyPr/>
+                    <a:lstStyle/>
+                    <a:p>
+                      <a:r>
+                        <a:rPr lang="zh-CN" altLang="en-US" dirty="0" smtClean="0">
+                          <a:solidFill>
+                            <a:srgbClr val="00B050"/>
+                          </a:solidFill>
+                        </a:rPr>
+                        <a:t>是</a:t>
+                      </a:r>
+                      <a:endParaRPr lang="zh-CN" altLang="en-US" dirty="0">
+                        <a:solidFill>
+                          <a:srgbClr val="00B050"/>
+                        </a:solidFill>
+                      </a:endParaRPr>
+                    </a:p>
+                  </a:txBody>
+                  <a:tcPr/>
+                </a:tc>
+                <a:tc>
+                  <a:txBody>
+                    <a:bodyPr/>
+                    <a:lstStyle/>
+                    <a:p>
+                      <a:r>
+                        <a:rPr lang="zh-CN" altLang="en-US" dirty="0" smtClean="0">
+                          <a:solidFill>
+                            <a:srgbClr val="00B050"/>
+                          </a:solidFill>
+                        </a:rPr>
+                        <a:t>是</a:t>
+                      </a:r>
+                      <a:endParaRPr lang="zh-CN" altLang="en-US" dirty="0">
+                        <a:solidFill>
+                          <a:srgbClr val="00B050"/>
+                        </a:solidFill>
+                      </a:endParaRPr>
+                    </a:p>
+                  </a:txBody>
+                  <a:tcPr/>
+                </a:tc>
+              </a:tr>
+            </a:tbl>
+          </a:graphicData>
+        </a:graphic>
+      </p:graphicFrame>
     </p:spTree>
     <p:extLst>
       <p:ext uri="{BB962C8B-B14F-4D97-AF65-F5344CB8AC3E}">
@@ -7718,6 +8096,13 @@
   <p:clrMapOvr>
     <a:masterClrMapping/>
   </p:clrMapOvr>
+  <p:timing>
+    <p:tnLst>
+      <p:par>
+        <p:cTn id="1" dur="indefinite" restart="never" nodeType="tmRoot"/>
+      </p:par>
+    </p:tnLst>
+  </p:timing>
 </p:sld>
 </file>
 
@@ -7748,7 +8133,12 @@
             <p:ph type="title"/>
           </p:nvPr>
         </p:nvSpPr>
-        <p:spPr/>
+        <p:spPr>
+          <a:xfrm>
+            <a:off x="395536" y="332656"/>
+            <a:ext cx="8229600" cy="1143000"/>
+          </a:xfrm>
+        </p:spPr>
         <p:txBody>
           <a:bodyPr/>
           <a:lstStyle/>
@@ -7771,18 +8161,529 @@
             <p:ph idx="1"/>
             <p:extLst>
               <p:ext uri="{D42A27DB-BD31-4B8C-83A1-F6EECF244321}">
-                <p14:modId xmlns:p14="http://schemas.microsoft.com/office/powerpoint/2010/main" val="3309034620"/>
+                <p14:modId xmlns:p14="http://schemas.microsoft.com/office/powerpoint/2010/main" val="716350427"/>
               </p:ext>
             </p:extLst>
           </p:nvPr>
         </p:nvGraphicFramePr>
         <p:xfrm>
-          <a:off x="457200" y="1600200"/>
+          <a:off x="539552" y="1484784"/>
           <a:ext cx="8002588" cy="4924425"/>
         </p:xfrm>
         <a:graphic>
           <a:graphicData uri="http://schemas.openxmlformats.org/drawingml/2006/diagram">
             <dgm:relIds xmlns:dgm="http://schemas.openxmlformats.org/drawingml/2006/diagram" xmlns:r="http://schemas.openxmlformats.org/officeDocument/2006/relationships" r:dm="rId2" r:lo="rId3" r:qs="rId4" r:cs="rId5"/>
+          </a:graphicData>
+        </a:graphic>
+      </p:graphicFrame>
+      <p:graphicFrame>
+        <p:nvGraphicFramePr>
+          <p:cNvPr id="5" name="表格 4"/>
+          <p:cNvGraphicFramePr>
+            <a:graphicFrameLocks noGrp="1"/>
+          </p:cNvGraphicFramePr>
+          <p:nvPr>
+            <p:extLst>
+              <p:ext uri="{D42A27DB-BD31-4B8C-83A1-F6EECF244321}">
+                <p14:modId xmlns:p14="http://schemas.microsoft.com/office/powerpoint/2010/main" val="3032479836"/>
+              </p:ext>
+            </p:extLst>
+          </p:nvPr>
+        </p:nvGraphicFramePr>
+        <p:xfrm>
+          <a:off x="1475656" y="3356992"/>
+          <a:ext cx="6096000" cy="1112520"/>
+        </p:xfrm>
+        <a:graphic>
+          <a:graphicData uri="http://schemas.openxmlformats.org/drawingml/2006/table">
+            <a:tbl>
+              <a:tblPr firstRow="1" bandRow="1">
+                <a:tableStyleId>{5C22544A-7EE6-4342-B048-85BDC9FD1C3A}</a:tableStyleId>
+              </a:tblPr>
+              <a:tblGrid>
+                <a:gridCol w="1219200"/>
+                <a:gridCol w="1219200"/>
+                <a:gridCol w="1219200"/>
+                <a:gridCol w="1219200"/>
+                <a:gridCol w="1219200"/>
+              </a:tblGrid>
+              <a:tr h="370840">
+                <a:tc>
+                  <a:txBody>
+                    <a:bodyPr/>
+                    <a:lstStyle/>
+                    <a:p>
+                      <a:r>
+                        <a:rPr lang="zh-CN" altLang="en-US" dirty="0" smtClean="0"/>
+                        <a:t>实现方式</a:t>
+                      </a:r>
+                      <a:endParaRPr lang="zh-CN" altLang="en-US" dirty="0"/>
+                    </a:p>
+                  </a:txBody>
+                  <a:tcPr>
+                    <a:lnL w="12700" cap="flat" cmpd="sng" algn="ctr">
+                      <a:solidFill>
+                        <a:schemeClr val="tx1"/>
+                      </a:solidFill>
+                      <a:prstDash val="solid"/>
+                      <a:round/>
+                      <a:headEnd type="none" w="med" len="med"/>
+                      <a:tailEnd type="none" w="med" len="med"/>
+                    </a:lnL>
+                    <a:lnT w="12700" cap="flat" cmpd="sng" algn="ctr">
+                      <a:solidFill>
+                        <a:schemeClr val="tx1"/>
+                      </a:solidFill>
+                      <a:prstDash val="solid"/>
+                      <a:round/>
+                      <a:headEnd type="none" w="med" len="med"/>
+                      <a:tailEnd type="none" w="med" len="med"/>
+                    </a:lnT>
+                  </a:tcPr>
+                </a:tc>
+                <a:tc>
+                  <a:txBody>
+                    <a:bodyPr/>
+                    <a:lstStyle/>
+                    <a:p>
+                      <a:r>
+                        <a:rPr lang="zh-CN" altLang="en-US" dirty="0" smtClean="0"/>
+                        <a:t>抽象实体</a:t>
+                      </a:r>
+                      <a:endParaRPr lang="zh-CN" altLang="en-US" dirty="0"/>
+                    </a:p>
+                  </a:txBody>
+                  <a:tcPr>
+                    <a:lnT w="12700" cap="flat" cmpd="sng" algn="ctr">
+                      <a:solidFill>
+                        <a:schemeClr val="tx1"/>
+                      </a:solidFill>
+                      <a:prstDash val="solid"/>
+                      <a:round/>
+                      <a:headEnd type="none" w="med" len="med"/>
+                      <a:tailEnd type="none" w="med" len="med"/>
+                    </a:lnT>
+                  </a:tcPr>
+                </a:tc>
+                <a:tc>
+                  <a:txBody>
+                    <a:bodyPr/>
+                    <a:lstStyle/>
+                    <a:p>
+                      <a:r>
+                        <a:rPr lang="en-US" altLang="zh-CN" dirty="0" smtClean="0"/>
+                        <a:t>UML</a:t>
+                      </a:r>
+                      <a:r>
+                        <a:rPr lang="zh-CN" altLang="en-US" dirty="0" smtClean="0"/>
+                        <a:t>图</a:t>
+                      </a:r>
+                      <a:endParaRPr lang="zh-CN" altLang="en-US" dirty="0"/>
+                    </a:p>
+                  </a:txBody>
+                  <a:tcPr>
+                    <a:lnT w="12700" cap="flat" cmpd="sng" algn="ctr">
+                      <a:solidFill>
+                        <a:schemeClr val="tx1"/>
+                      </a:solidFill>
+                      <a:prstDash val="solid"/>
+                      <a:round/>
+                      <a:headEnd type="none" w="med" len="med"/>
+                      <a:tailEnd type="none" w="med" len="med"/>
+                    </a:lnT>
+                  </a:tcPr>
+                </a:tc>
+                <a:tc>
+                  <a:txBody>
+                    <a:bodyPr/>
+                    <a:lstStyle/>
+                    <a:p>
+                      <a:r>
+                        <a:rPr lang="zh-CN" altLang="en-US" dirty="0" smtClean="0"/>
+                        <a:t>时序图</a:t>
+                      </a:r>
+                      <a:endParaRPr lang="zh-CN" altLang="en-US" dirty="0"/>
+                    </a:p>
+                  </a:txBody>
+                  <a:tcPr>
+                    <a:lnT w="12700" cap="flat" cmpd="sng" algn="ctr">
+                      <a:solidFill>
+                        <a:schemeClr val="tx1"/>
+                      </a:solidFill>
+                      <a:prstDash val="solid"/>
+                      <a:round/>
+                      <a:headEnd type="none" w="med" len="med"/>
+                      <a:tailEnd type="none" w="med" len="med"/>
+                    </a:lnT>
+                  </a:tcPr>
+                </a:tc>
+                <a:tc>
+                  <a:txBody>
+                    <a:bodyPr/>
+                    <a:lstStyle/>
+                    <a:p>
+                      <a:r>
+                        <a:rPr lang="zh-CN" altLang="en-US" dirty="0" smtClean="0"/>
+                        <a:t>编码</a:t>
+                      </a:r>
+                      <a:endParaRPr lang="zh-CN" altLang="en-US" dirty="0"/>
+                    </a:p>
+                  </a:txBody>
+                  <a:tcPr>
+                    <a:lnR w="12700" cap="flat" cmpd="sng" algn="ctr">
+                      <a:solidFill>
+                        <a:schemeClr val="tx1"/>
+                      </a:solidFill>
+                      <a:prstDash val="solid"/>
+                      <a:round/>
+                      <a:headEnd type="none" w="med" len="med"/>
+                      <a:tailEnd type="none" w="med" len="med"/>
+                    </a:lnR>
+                    <a:lnT w="12700" cap="flat" cmpd="sng" algn="ctr">
+                      <a:solidFill>
+                        <a:schemeClr val="tx1"/>
+                      </a:solidFill>
+                      <a:prstDash val="solid"/>
+                      <a:round/>
+                      <a:headEnd type="none" w="med" len="med"/>
+                      <a:tailEnd type="none" w="med" len="med"/>
+                    </a:lnT>
+                  </a:tcPr>
+                </a:tc>
+              </a:tr>
+              <a:tr h="370840">
+                <a:tc>
+                  <a:txBody>
+                    <a:bodyPr/>
+                    <a:lstStyle/>
+                    <a:p>
+                      <a:r>
+                        <a:rPr lang="zh-CN" altLang="en-US" dirty="0" smtClean="0"/>
+                        <a:t>面向过程</a:t>
+                      </a:r>
+                      <a:endParaRPr lang="zh-CN" altLang="en-US" dirty="0"/>
+                    </a:p>
+                  </a:txBody>
+                  <a:tcPr>
+                    <a:lnL w="12700" cap="flat" cmpd="sng" algn="ctr">
+                      <a:solidFill>
+                        <a:schemeClr val="tx1"/>
+                      </a:solidFill>
+                      <a:prstDash val="solid"/>
+                      <a:round/>
+                      <a:headEnd type="none" w="med" len="med"/>
+                      <a:tailEnd type="none" w="med" len="med"/>
+                    </a:lnL>
+                  </a:tcPr>
+                </a:tc>
+                <a:tc>
+                  <a:txBody>
+                    <a:bodyPr/>
+                    <a:lstStyle/>
+                    <a:p>
+                      <a:r>
+                        <a:rPr lang="zh-CN" altLang="en-US" dirty="0" smtClean="0">
+                          <a:solidFill>
+                            <a:srgbClr val="FF0000"/>
+                          </a:solidFill>
+                        </a:rPr>
+                        <a:t>✘</a:t>
+                      </a:r>
+                      <a:endParaRPr lang="zh-CN" altLang="en-US" dirty="0">
+                        <a:solidFill>
+                          <a:srgbClr val="FF0000"/>
+                        </a:solidFill>
+                      </a:endParaRPr>
+                    </a:p>
+                  </a:txBody>
+                  <a:tcPr/>
+                </a:tc>
+                <a:tc>
+                  <a:txBody>
+                    <a:bodyPr/>
+                    <a:lstStyle/>
+                    <a:p>
+                      <a:r>
+                        <a:rPr lang="zh-CN" altLang="en-US" dirty="0" smtClean="0">
+                          <a:solidFill>
+                            <a:srgbClr val="FF0000"/>
+                          </a:solidFill>
+                        </a:rPr>
+                        <a:t>✘</a:t>
+                      </a:r>
+                      <a:endParaRPr lang="zh-CN" altLang="en-US" dirty="0">
+                        <a:solidFill>
+                          <a:srgbClr val="FF0000"/>
+                        </a:solidFill>
+                      </a:endParaRPr>
+                    </a:p>
+                  </a:txBody>
+                  <a:tcPr/>
+                </a:tc>
+                <a:tc>
+                  <a:txBody>
+                    <a:bodyPr/>
+                    <a:lstStyle/>
+                    <a:p>
+                      <a:r>
+                        <a:rPr lang="zh-CN" altLang="en-US" dirty="0" smtClean="0">
+                          <a:solidFill>
+                            <a:srgbClr val="FF0000"/>
+                          </a:solidFill>
+                        </a:rPr>
+                        <a:t>✘</a:t>
+                      </a:r>
+                      <a:endParaRPr lang="zh-CN" altLang="en-US" dirty="0">
+                        <a:solidFill>
+                          <a:srgbClr val="FF0000"/>
+                        </a:solidFill>
+                      </a:endParaRPr>
+                    </a:p>
+                  </a:txBody>
+                  <a:tcPr/>
+                </a:tc>
+                <a:tc>
+                  <a:txBody>
+                    <a:bodyPr/>
+                    <a:lstStyle/>
+                    <a:p>
+                      <a:r>
+                        <a:rPr lang="zh-CN" altLang="en-US" dirty="0" smtClean="0">
+                          <a:solidFill>
+                            <a:srgbClr val="00B050"/>
+                          </a:solidFill>
+                        </a:rPr>
+                        <a:t>✔</a:t>
+                      </a:r>
+                      <a:endParaRPr lang="zh-CN" altLang="en-US" dirty="0">
+                        <a:solidFill>
+                          <a:srgbClr val="00B050"/>
+                        </a:solidFill>
+                      </a:endParaRPr>
+                    </a:p>
+                  </a:txBody>
+                  <a:tcPr>
+                    <a:lnR w="12700" cap="flat" cmpd="sng" algn="ctr">
+                      <a:solidFill>
+                        <a:schemeClr val="tx1"/>
+                      </a:solidFill>
+                      <a:prstDash val="solid"/>
+                      <a:round/>
+                      <a:headEnd type="none" w="med" len="med"/>
+                      <a:tailEnd type="none" w="med" len="med"/>
+                    </a:lnR>
+                  </a:tcPr>
+                </a:tc>
+              </a:tr>
+              <a:tr h="370840">
+                <a:tc>
+                  <a:txBody>
+                    <a:bodyPr/>
+                    <a:lstStyle/>
+                    <a:p>
+                      <a:r>
+                        <a:rPr lang="zh-CN" altLang="en-US" dirty="0" smtClean="0"/>
+                        <a:t>职责链</a:t>
+                      </a:r>
+                      <a:endParaRPr lang="zh-CN" altLang="en-US" dirty="0"/>
+                    </a:p>
+                  </a:txBody>
+                  <a:tcPr>
+                    <a:lnL w="12700" cap="flat" cmpd="sng" algn="ctr">
+                      <a:solidFill>
+                        <a:schemeClr val="tx1"/>
+                      </a:solidFill>
+                      <a:prstDash val="solid"/>
+                      <a:round/>
+                      <a:headEnd type="none" w="med" len="med"/>
+                      <a:tailEnd type="none" w="med" len="med"/>
+                    </a:lnL>
+                    <a:lnB w="12700" cap="flat" cmpd="sng" algn="ctr">
+                      <a:solidFill>
+                        <a:schemeClr val="tx1"/>
+                      </a:solidFill>
+                      <a:prstDash val="solid"/>
+                      <a:round/>
+                      <a:headEnd type="none" w="med" len="med"/>
+                      <a:tailEnd type="none" w="med" len="med"/>
+                    </a:lnB>
+                  </a:tcPr>
+                </a:tc>
+                <a:tc>
+                  <a:txBody>
+                    <a:bodyPr/>
+                    <a:lstStyle/>
+                    <a:p>
+                      <a:r>
+                        <a:rPr lang="zh-CN" altLang="en-US" dirty="0" smtClean="0">
+                          <a:solidFill>
+                            <a:srgbClr val="00B050"/>
+                          </a:solidFill>
+                        </a:rPr>
+                        <a:t>✔</a:t>
+                      </a:r>
+                      <a:endParaRPr lang="zh-CN" altLang="en-US" dirty="0">
+                        <a:solidFill>
+                          <a:srgbClr val="00B050"/>
+                        </a:solidFill>
+                      </a:endParaRPr>
+                    </a:p>
+                  </a:txBody>
+                  <a:tcPr>
+                    <a:lnB w="12700" cap="flat" cmpd="sng" algn="ctr">
+                      <a:solidFill>
+                        <a:schemeClr val="tx1"/>
+                      </a:solidFill>
+                      <a:prstDash val="solid"/>
+                      <a:round/>
+                      <a:headEnd type="none" w="med" len="med"/>
+                      <a:tailEnd type="none" w="med" len="med"/>
+                    </a:lnB>
+                  </a:tcPr>
+                </a:tc>
+                <a:tc>
+                  <a:txBody>
+                    <a:bodyPr/>
+                    <a:lstStyle/>
+                    <a:p>
+                      <a:pPr marL="0" marR="0" indent="0" algn="l" defTabSz="914400" rtl="0" eaLnBrk="1" fontAlgn="auto" latinLnBrk="0" hangingPunct="1">
+                        <a:lnSpc>
+                          <a:spcPct val="100000"/>
+                        </a:lnSpc>
+                        <a:spcBef>
+                          <a:spcPts val="0"/>
+                        </a:spcBef>
+                        <a:spcAft>
+                          <a:spcPts val="0"/>
+                        </a:spcAft>
+                        <a:buClrTx/>
+                        <a:buSzTx/>
+                        <a:buFontTx/>
+                        <a:buNone/>
+                        <a:tabLst/>
+                        <a:defRPr/>
+                      </a:pPr>
+                      <a:r>
+                        <a:rPr lang="zh-CN" altLang="en-US" dirty="0" smtClean="0">
+                          <a:solidFill>
+                            <a:srgbClr val="00B050"/>
+                          </a:solidFill>
+                        </a:rPr>
+                        <a:t>✔</a:t>
+                      </a:r>
+                    </a:p>
+                  </a:txBody>
+                  <a:tcPr>
+                    <a:lnB w="12700" cap="flat" cmpd="sng" algn="ctr">
+                      <a:solidFill>
+                        <a:schemeClr val="tx1"/>
+                      </a:solidFill>
+                      <a:prstDash val="solid"/>
+                      <a:round/>
+                      <a:headEnd type="none" w="med" len="med"/>
+                      <a:tailEnd type="none" w="med" len="med"/>
+                    </a:lnB>
+                  </a:tcPr>
+                </a:tc>
+                <a:tc>
+                  <a:txBody>
+                    <a:bodyPr/>
+                    <a:lstStyle/>
+                    <a:p>
+                      <a:pPr marL="0" marR="0" indent="0" algn="l" defTabSz="914400" rtl="0" eaLnBrk="1" fontAlgn="auto" latinLnBrk="0" hangingPunct="1">
+                        <a:lnSpc>
+                          <a:spcPct val="100000"/>
+                        </a:lnSpc>
+                        <a:spcBef>
+                          <a:spcPts val="0"/>
+                        </a:spcBef>
+                        <a:spcAft>
+                          <a:spcPts val="0"/>
+                        </a:spcAft>
+                        <a:buClrTx/>
+                        <a:buSzTx/>
+                        <a:buFontTx/>
+                        <a:buNone/>
+                        <a:tabLst/>
+                        <a:defRPr/>
+                      </a:pPr>
+                      <a:r>
+                        <a:rPr lang="zh-CN" altLang="en-US" dirty="0" smtClean="0">
+                          <a:solidFill>
+                            <a:srgbClr val="00B050"/>
+                          </a:solidFill>
+                        </a:rPr>
+                        <a:t>✔</a:t>
+                      </a:r>
+                    </a:p>
+                  </a:txBody>
+                  <a:tcPr>
+                    <a:lnB w="12700" cap="flat" cmpd="sng" algn="ctr">
+                      <a:solidFill>
+                        <a:schemeClr val="tx1"/>
+                      </a:solidFill>
+                      <a:prstDash val="solid"/>
+                      <a:round/>
+                      <a:headEnd type="none" w="med" len="med"/>
+                      <a:tailEnd type="none" w="med" len="med"/>
+                    </a:lnB>
+                  </a:tcPr>
+                </a:tc>
+                <a:tc>
+                  <a:txBody>
+                    <a:bodyPr/>
+                    <a:lstStyle/>
+                    <a:p>
+                      <a:pPr marL="0" marR="0" indent="0" algn="l" defTabSz="914400" rtl="0" eaLnBrk="1" fontAlgn="auto" latinLnBrk="0" hangingPunct="1">
+                        <a:lnSpc>
+                          <a:spcPct val="100000"/>
+                        </a:lnSpc>
+                        <a:spcBef>
+                          <a:spcPts val="0"/>
+                        </a:spcBef>
+                        <a:spcAft>
+                          <a:spcPts val="0"/>
+                        </a:spcAft>
+                        <a:buClrTx/>
+                        <a:buSzTx/>
+                        <a:buFontTx/>
+                        <a:buNone/>
+                        <a:tabLst/>
+                        <a:defRPr/>
+                      </a:pPr>
+                      <a:r>
+                        <a:rPr lang="zh-CN" altLang="en-US" dirty="0" smtClean="0">
+                          <a:solidFill>
+                            <a:srgbClr val="00B050"/>
+                          </a:solidFill>
+                        </a:rPr>
+                        <a:t>✔</a:t>
+                      </a:r>
+                    </a:p>
+                  </a:txBody>
+                  <a:tcPr>
+                    <a:lnR w="12700" cap="flat" cmpd="sng" algn="ctr">
+                      <a:solidFill>
+                        <a:schemeClr val="tx1"/>
+                      </a:solidFill>
+                      <a:prstDash val="solid"/>
+                      <a:round/>
+                      <a:headEnd type="none" w="med" len="med"/>
+                      <a:tailEnd type="none" w="med" len="med"/>
+                    </a:lnR>
+                    <a:lnB w="12700" cap="flat" cmpd="sng" algn="ctr">
+                      <a:solidFill>
+                        <a:schemeClr val="tx1"/>
+                      </a:solidFill>
+                      <a:prstDash val="solid"/>
+                      <a:round/>
+                      <a:headEnd type="none" w="med" len="med"/>
+                      <a:tailEnd type="none" w="med" len="med"/>
+                    </a:lnB>
+                  </a:tcPr>
+                </a:tc>
+              </a:tr>
+            </a:tbl>
           </a:graphicData>
         </a:graphic>
       </p:graphicFrame>
@@ -7799,7 +8700,129 @@
   <p:timing>
     <p:tnLst>
       <p:par>
-        <p:cTn id="1" dur="indefinite" restart="never" nodeType="tmRoot"/>
+        <p:cTn id="1" dur="indefinite" restart="never" nodeType="tmRoot">
+          <p:childTnLst>
+            <p:seq concurrent="1" nextAc="seek">
+              <p:cTn id="2" dur="indefinite" nodeType="mainSeq">
+                <p:childTnLst>
+                  <p:par>
+                    <p:cTn id="3" fill="hold">
+                      <p:stCondLst>
+                        <p:cond delay="indefinite"/>
+                      </p:stCondLst>
+                      <p:childTnLst>
+                        <p:par>
+                          <p:cTn id="4" fill="hold">
+                            <p:stCondLst>
+                              <p:cond delay="0"/>
+                            </p:stCondLst>
+                            <p:childTnLst>
+                              <p:par>
+                                <p:cTn id="5" presetID="42" presetClass="entr" presetSubtype="0" fill="hold" nodeType="clickEffect">
+                                  <p:stCondLst>
+                                    <p:cond delay="0"/>
+                                  </p:stCondLst>
+                                  <p:childTnLst>
+                                    <p:set>
+                                      <p:cBhvr>
+                                        <p:cTn id="6" dur="1" fill="hold">
+                                          <p:stCondLst>
+                                            <p:cond delay="0"/>
+                                          </p:stCondLst>
+                                        </p:cTn>
+                                        <p:tgtEl>
+                                          <p:spTgt spid="5"/>
+                                        </p:tgtEl>
+                                        <p:attrNameLst>
+                                          <p:attrName>style.visibility</p:attrName>
+                                        </p:attrNameLst>
+                                      </p:cBhvr>
+                                      <p:to>
+                                        <p:strVal val="visible"/>
+                                      </p:to>
+                                    </p:set>
+                                    <p:animEffect transition="in" filter="fade">
+                                      <p:cBhvr>
+                                        <p:cTn id="7" dur="1000"/>
+                                        <p:tgtEl>
+                                          <p:spTgt spid="5"/>
+                                        </p:tgtEl>
+                                      </p:cBhvr>
+                                    </p:animEffect>
+                                    <p:anim calcmode="lin" valueType="num">
+                                      <p:cBhvr>
+                                        <p:cTn id="8" dur="1000" fill="hold"/>
+                                        <p:tgtEl>
+                                          <p:spTgt spid="5"/>
+                                        </p:tgtEl>
+                                        <p:attrNameLst>
+                                          <p:attrName>ppt_x</p:attrName>
+                                        </p:attrNameLst>
+                                      </p:cBhvr>
+                                      <p:tavLst>
+                                        <p:tav tm="0">
+                                          <p:val>
+                                            <p:strVal val="#ppt_x"/>
+                                          </p:val>
+                                        </p:tav>
+                                        <p:tav tm="100000">
+                                          <p:val>
+                                            <p:strVal val="#ppt_x"/>
+                                          </p:val>
+                                        </p:tav>
+                                      </p:tavLst>
+                                    </p:anim>
+                                    <p:anim calcmode="lin" valueType="num">
+                                      <p:cBhvr>
+                                        <p:cTn id="9" dur="1000" fill="hold"/>
+                                        <p:tgtEl>
+                                          <p:spTgt spid="5"/>
+                                        </p:tgtEl>
+                                        <p:attrNameLst>
+                                          <p:attrName>ppt_y</p:attrName>
+                                        </p:attrNameLst>
+                                      </p:cBhvr>
+                                      <p:tavLst>
+                                        <p:tav tm="0">
+                                          <p:val>
+                                            <p:strVal val="#ppt_y+.1"/>
+                                          </p:val>
+                                        </p:tav>
+                                        <p:tav tm="100000">
+                                          <p:val>
+                                            <p:strVal val="#ppt_y"/>
+                                          </p:val>
+                                        </p:tav>
+                                      </p:tavLst>
+                                    </p:anim>
+                                  </p:childTnLst>
+                                </p:cTn>
+                              </p:par>
+                            </p:childTnLst>
+                          </p:cTn>
+                        </p:par>
+                      </p:childTnLst>
+                    </p:cTn>
+                  </p:par>
+                </p:childTnLst>
+              </p:cTn>
+              <p:prevCondLst>
+                <p:cond evt="onPrev" delay="0">
+                  <p:tgtEl>
+                    <p:sldTgt/>
+                  </p:tgtEl>
+                </p:cond>
+              </p:prevCondLst>
+              <p:nextCondLst>
+                <p:cond evt="onNext" delay="0">
+                  <p:tgtEl>
+                    <p:sldTgt/>
+                  </p:tgtEl>
+                </p:cond>
+              </p:nextCondLst>
+            </p:seq>
+          </p:childTnLst>
+        </p:cTn>
       </p:par>
     </p:tnLst>
   </p:timing>
@@ -8044,6 +9067,112 @@
       </p:grpSpPr>
       <p:sp>
         <p:nvSpPr>
+          <p:cNvPr id="3" name="内容占位符 2"/>
+          <p:cNvSpPr>
+            <a:spLocks noGrp="1"/>
+          </p:cNvSpPr>
+          <p:nvPr>
+            <p:ph idx="1"/>
+          </p:nvPr>
+        </p:nvSpPr>
+        <p:spPr>
+          <a:xfrm>
+            <a:off x="467544" y="4361537"/>
+            <a:ext cx="8229600" cy="2476872"/>
+          </a:xfrm>
+        </p:spPr>
+        <p:txBody>
+          <a:bodyPr>
+            <a:normAutofit lnSpcReduction="10000"/>
+          </a:bodyPr>
+          <a:lstStyle/>
+          <a:p>
+            <a:r>
+              <a:rPr lang="en-US" altLang="zh-CN" dirty="0" smtClean="0"/>
+              <a:t>MIME</a:t>
+            </a:r>
+            <a:r>
+              <a:rPr lang="zh-CN" altLang="en-US" dirty="0" smtClean="0"/>
+              <a:t>（</a:t>
+            </a:r>
+            <a:r>
+              <a:rPr lang="en-US" altLang="zh-CN" dirty="0"/>
+              <a:t>Multipurpose Internet Mail </a:t>
+            </a:r>
+            <a:r>
+              <a:rPr lang="en-US" altLang="zh-CN" dirty="0" smtClean="0"/>
+              <a:t>Extensions</a:t>
+            </a:r>
+            <a:r>
+              <a:rPr lang="zh-CN" altLang="en-US" dirty="0" smtClean="0"/>
+              <a:t>多用途</a:t>
+            </a:r>
+            <a:r>
+              <a:rPr lang="zh-CN" altLang="en-US" dirty="0"/>
+              <a:t>互联网邮件扩展</a:t>
+            </a:r>
+            <a:r>
+              <a:rPr lang="zh-CN" altLang="en-US" dirty="0" smtClean="0"/>
+              <a:t>）</a:t>
+            </a:r>
+            <a:endParaRPr lang="en-US" altLang="zh-CN" dirty="0" smtClean="0"/>
+          </a:p>
+          <a:p>
+            <a:r>
+              <a:rPr lang="zh-CN" altLang="en-US" dirty="0" smtClean="0"/>
+              <a:t>支持非</a:t>
+            </a:r>
+            <a:r>
+              <a:rPr lang="en-US" altLang="zh-CN" dirty="0"/>
+              <a:t>ASCII</a:t>
+            </a:r>
+            <a:r>
+              <a:rPr lang="zh-CN" altLang="en-US" dirty="0"/>
+              <a:t>字符</a:t>
+            </a:r>
+            <a:r>
+              <a:rPr lang="zh-CN" altLang="en-US" dirty="0" smtClean="0"/>
+              <a:t>文本</a:t>
+            </a:r>
+            <a:endParaRPr lang="en-US" altLang="zh-CN" dirty="0" smtClean="0"/>
+          </a:p>
+          <a:p>
+            <a:r>
+              <a:rPr lang="zh-CN" altLang="en-US" dirty="0" smtClean="0"/>
+              <a:t>支持非</a:t>
+            </a:r>
+            <a:r>
+              <a:rPr lang="zh-CN" altLang="en-US" dirty="0"/>
+              <a:t>文本格式附件（二进制、声音、图像等</a:t>
+            </a:r>
+            <a:r>
+              <a:rPr lang="zh-CN" altLang="en-US" dirty="0" smtClean="0"/>
+              <a:t>）</a:t>
+            </a:r>
+            <a:endParaRPr lang="en-US" altLang="zh-CN" dirty="0" smtClean="0"/>
+          </a:p>
+          <a:p>
+            <a:r>
+              <a:rPr lang="zh-CN" altLang="en-US" dirty="0"/>
+              <a:t>由多</a:t>
+            </a:r>
+            <a:r>
+              <a:rPr lang="zh-CN" altLang="en-US" dirty="0" smtClean="0"/>
+              <a:t>部分部件（</a:t>
+            </a:r>
+            <a:r>
+              <a:rPr lang="en-US" altLang="zh-CN" dirty="0"/>
+              <a:t>multiple parts</a:t>
+            </a:r>
+            <a:r>
+              <a:rPr lang="zh-CN" altLang="en-US" dirty="0"/>
+              <a:t>）组成的消息体</a:t>
+            </a:r>
+          </a:p>
+        </p:txBody>
+      </p:sp>
+      <p:sp>
+        <p:nvSpPr>
           <p:cNvPr id="2" name="标题 1"/>
           <p:cNvSpPr>
             <a:spLocks noGrp="1"/>
@@ -8052,7 +9181,12 @@
             <p:ph type="title"/>
           </p:nvPr>
         </p:nvSpPr>
-        <p:spPr/>
+        <p:spPr>
+          <a:xfrm>
+            <a:off x="467544" y="-609"/>
+            <a:ext cx="8229600" cy="1143000"/>
+          </a:xfrm>
+        </p:spPr>
         <p:txBody>
           <a:bodyPr/>
           <a:lstStyle/>
@@ -8062,111 +9196,12 @@
               <a:t>电子邮件的真相</a:t>
             </a:r>
             <a:endParaRPr lang="zh-CN" altLang="en-US" dirty="0"/>
-          </a:p>
-        </p:txBody>
-      </p:sp>
-      <p:sp>
-        <p:nvSpPr>
-          <p:cNvPr id="3" name="内容占位符 2"/>
-          <p:cNvSpPr>
-            <a:spLocks noGrp="1"/>
-          </p:cNvSpPr>
-          <p:nvPr>
-            <p:ph idx="1"/>
-          </p:nvPr>
-        </p:nvSpPr>
-        <p:spPr/>
-        <p:txBody>
-          <a:bodyPr/>
-          <a:lstStyle/>
-          <a:p>
-            <a:r>
-              <a:rPr lang="en-US" altLang="zh-CN" dirty="0" smtClean="0"/>
-              <a:t>MIME</a:t>
-            </a:r>
-            <a:r>
-              <a:rPr lang="zh-CN" altLang="en-US" dirty="0" smtClean="0"/>
-              <a:t>（</a:t>
-            </a:r>
-            <a:r>
-              <a:rPr lang="en-US" altLang="zh-CN" dirty="0"/>
-              <a:t>Multipurpose Internet Mail </a:t>
-            </a:r>
-            <a:r>
-              <a:rPr lang="en-US" altLang="zh-CN" dirty="0" smtClean="0"/>
-              <a:t>Extensions</a:t>
-            </a:r>
-            <a:r>
-              <a:rPr lang="zh-CN" altLang="en-US" dirty="0" smtClean="0"/>
-              <a:t>多用途</a:t>
-            </a:r>
-            <a:r>
-              <a:rPr lang="zh-CN" altLang="en-US" dirty="0"/>
-              <a:t>互联网邮件扩展</a:t>
-            </a:r>
-            <a:r>
-              <a:rPr lang="zh-CN" altLang="en-US" dirty="0" smtClean="0"/>
-              <a:t>）</a:t>
-            </a:r>
-            <a:endParaRPr lang="en-US" altLang="zh-CN" dirty="0" smtClean="0"/>
-          </a:p>
-          <a:p>
-            <a:r>
-              <a:rPr lang="zh-CN" altLang="en-US" dirty="0" smtClean="0"/>
-              <a:t>支持非</a:t>
-            </a:r>
-            <a:r>
-              <a:rPr lang="en-US" altLang="zh-CN" dirty="0"/>
-              <a:t>ASCII</a:t>
-            </a:r>
-            <a:r>
-              <a:rPr lang="zh-CN" altLang="en-US" dirty="0"/>
-              <a:t>字符</a:t>
-            </a:r>
-            <a:r>
-              <a:rPr lang="zh-CN" altLang="en-US" dirty="0" smtClean="0"/>
-              <a:t>文本</a:t>
-            </a:r>
-            <a:endParaRPr lang="en-US" altLang="zh-CN" dirty="0" smtClean="0"/>
-          </a:p>
-          <a:p>
-            <a:r>
-              <a:rPr lang="zh-CN" altLang="en-US" dirty="0" smtClean="0"/>
-              <a:t>支持非</a:t>
-            </a:r>
-            <a:r>
-              <a:rPr lang="zh-CN" altLang="en-US" dirty="0"/>
-              <a:t>文本格式附件（二进制、声音、图像等</a:t>
-            </a:r>
-            <a:r>
-              <a:rPr lang="zh-CN" altLang="en-US" dirty="0" smtClean="0"/>
-              <a:t>）</a:t>
-            </a:r>
-            <a:endParaRPr lang="en-US" altLang="zh-CN" dirty="0" smtClean="0"/>
-          </a:p>
-          <a:p>
-            <a:r>
-              <a:rPr lang="zh-CN" altLang="en-US" dirty="0"/>
-              <a:t>由多</a:t>
-            </a:r>
-            <a:r>
-              <a:rPr lang="zh-CN" altLang="en-US" dirty="0" smtClean="0"/>
-              <a:t>部分部件（</a:t>
-            </a:r>
-            <a:r>
-              <a:rPr lang="en-US" altLang="zh-CN" dirty="0"/>
-              <a:t>multiple parts</a:t>
-            </a:r>
-            <a:r>
-              <a:rPr lang="zh-CN" altLang="en-US" dirty="0"/>
-              <a:t>）组成的消息体</a:t>
-            </a:r>
           </a:p>
         </p:txBody>
       </p:sp>
       <p:pic>
         <p:nvPicPr>
-          <p:cNvPr id="1026" name="Picture 2" descr="C:\Users\user\Desktop\邮件.png"/>
+          <p:cNvPr id="4" name="Picture 2" descr="C:\Users\user\Desktop\邮件.png"/>
           <p:cNvPicPr>
             <a:picLocks noChangeAspect="1" noChangeArrowheads="1"/>
           </p:cNvPicPr>
@@ -8187,8 +9222,8 @@
         </p:blipFill>
         <p:spPr bwMode="auto">
           <a:xfrm>
-            <a:off x="1763688" y="1988840"/>
-            <a:ext cx="5791200" cy="4543425"/>
+            <a:off x="251520" y="1205271"/>
+            <a:ext cx="8599488" cy="3105150"/>
           </a:xfrm>
           <a:prstGeom prst="rect">
             <a:avLst/>
@@ -8228,7 +9263,7 @@
         </p:blipFill>
         <p:spPr bwMode="auto">
           <a:xfrm>
-            <a:off x="1716063" y="27938"/>
+            <a:off x="1547664" y="27938"/>
             <a:ext cx="5838825" cy="6830062"/>
           </a:xfrm>
           <a:prstGeom prst="rect">
@@ -8290,7 +9325,7 @@
                                           </p:stCondLst>
                                         </p:cTn>
                                         <p:tgtEl>
-                                          <p:spTgt spid="1026"/>
+                                          <p:spTgt spid="1027"/>
                                         </p:tgtEl>
                                         <p:attrNameLst>
                                           <p:attrName>style.visibility</p:attrName>
@@ -8303,59 +9338,6 @@
                                     <p:animEffect transition="in" filter="fade">
                                       <p:cBhvr>
                                         <p:cTn id="7" dur="500"/>
-                                        <p:tgtEl>
-                                          <p:spTgt spid="1026"/>
-                                        </p:tgtEl>
-                                      </p:cBhvr>
-                                    </p:animEffect>
-                                  </p:childTnLst>
-                                </p:cTn>
-                              </p:par>
-                            </p:childTnLst>
-                          </p:cTn>
-                        </p:par>
-                      </p:childTnLst>
-                    </p:cTn>
-                  </p:par>
-                  <p:par>
-                    <p:cTn id="8" fill="hold">
-                      <p:stCondLst>
-                        <p:cond delay="indefinite"/>
-                      </p:stCondLst>
-                      <p:childTnLst>
-                        <p:par>
-                          <p:cTn id="9" fill="hold">
-                            <p:stCondLst>
-                              <p:cond delay="0"/>
-                            </p:stCondLst>
-                            <p:childTnLst>
-                              <p:par>
-                                <p:cTn id="10" presetID="10" presetClass="entr" presetSubtype="0" fill="hold" nodeType="clickEffect">
-                                  <p:stCondLst>
-                                    <p:cond delay="0"/>
-                                  </p:stCondLst>
-                                  <p:childTnLst>
-                                    <p:set>
-                                      <p:cBhvr>
-                                        <p:cTn id="11" dur="1" fill="hold">
-                                          <p:stCondLst>
-                                            <p:cond delay="0"/>
-                                          </p:stCondLst>
-                                        </p:cTn>
-                                        <p:tgtEl>
-                                          <p:spTgt spid="1027"/>
-                                        </p:tgtEl>
-                                        <p:attrNameLst>
-                                          <p:attrName>style.visibility</p:attrName>
-                                        </p:attrNameLst>
-                                      </p:cBhvr>
-                                      <p:to>
-                                        <p:strVal val="visible"/>
-                                      </p:to>
-                                    </p:set>
-                                    <p:animEffect transition="in" filter="fade">
-                                      <p:cBhvr>
-                                        <p:cTn id="12" dur="500"/>
                                         <p:tgtEl>
                                           <p:spTgt spid="1027"/>
                                         </p:tgtEl>
